--- a/paper/rebuttal/figures/figures_page.pptx
+++ b/paper/rebuttal/figures/figures_page.pptx
@@ -104,6 +104,11 @@
       </a:defRPr>
     </a:lvl9pPr>
   </p:defaultTextStyle>
+  <p:extLst>
+    <p:ext uri="{EFAFB233-063F-42B5-8137-9DF3F51BA10A}">
+      <p15:sldGuideLst xmlns:p15="http://schemas.microsoft.com/office/powerpoint/2012/main"/>
+    </p:ext>
+  </p:extLst>
 </p:presentation>
 </file>
 
@@ -283,7 +288,7 @@
           <a:p>
             <a:fld id="{E5553C63-6263-474D-8E88-FA6D97D5830B}" type="datetimeFigureOut">
               <a:rPr lang="en-US" smtClean="0"/>
-              <a:t>8/7/2023</a:t>
+              <a:t>8/9/23</a:t>
             </a:fld>
             <a:endParaRPr lang="en-US"/>
           </a:p>
@@ -453,7 +458,7 @@
           <a:p>
             <a:fld id="{E5553C63-6263-474D-8E88-FA6D97D5830B}" type="datetimeFigureOut">
               <a:rPr lang="en-US" smtClean="0"/>
-              <a:t>8/7/2023</a:t>
+              <a:t>8/9/23</a:t>
             </a:fld>
             <a:endParaRPr lang="en-US"/>
           </a:p>
@@ -633,7 +638,7 @@
           <a:p>
             <a:fld id="{E5553C63-6263-474D-8E88-FA6D97D5830B}" type="datetimeFigureOut">
               <a:rPr lang="en-US" smtClean="0"/>
-              <a:t>8/7/2023</a:t>
+              <a:t>8/9/23</a:t>
             </a:fld>
             <a:endParaRPr lang="en-US"/>
           </a:p>
@@ -803,7 +808,7 @@
           <a:p>
             <a:fld id="{E5553C63-6263-474D-8E88-FA6D97D5830B}" type="datetimeFigureOut">
               <a:rPr lang="en-US" smtClean="0"/>
-              <a:t>8/7/2023</a:t>
+              <a:t>8/9/23</a:t>
             </a:fld>
             <a:endParaRPr lang="en-US"/>
           </a:p>
@@ -1047,7 +1052,7 @@
           <a:p>
             <a:fld id="{E5553C63-6263-474D-8E88-FA6D97D5830B}" type="datetimeFigureOut">
               <a:rPr lang="en-US" smtClean="0"/>
-              <a:t>8/7/2023</a:t>
+              <a:t>8/9/23</a:t>
             </a:fld>
             <a:endParaRPr lang="en-US"/>
           </a:p>
@@ -1279,7 +1284,7 @@
           <a:p>
             <a:fld id="{E5553C63-6263-474D-8E88-FA6D97D5830B}" type="datetimeFigureOut">
               <a:rPr lang="en-US" smtClean="0"/>
-              <a:t>8/7/2023</a:t>
+              <a:t>8/9/23</a:t>
             </a:fld>
             <a:endParaRPr lang="en-US"/>
           </a:p>
@@ -1646,7 +1651,7 @@
           <a:p>
             <a:fld id="{E5553C63-6263-474D-8E88-FA6D97D5830B}" type="datetimeFigureOut">
               <a:rPr lang="en-US" smtClean="0"/>
-              <a:t>8/7/2023</a:t>
+              <a:t>8/9/23</a:t>
             </a:fld>
             <a:endParaRPr lang="en-US"/>
           </a:p>
@@ -1764,7 +1769,7 @@
           <a:p>
             <a:fld id="{E5553C63-6263-474D-8E88-FA6D97D5830B}" type="datetimeFigureOut">
               <a:rPr lang="en-US" smtClean="0"/>
-              <a:t>8/7/2023</a:t>
+              <a:t>8/9/23</a:t>
             </a:fld>
             <a:endParaRPr lang="en-US"/>
           </a:p>
@@ -1859,7 +1864,7 @@
           <a:p>
             <a:fld id="{E5553C63-6263-474D-8E88-FA6D97D5830B}" type="datetimeFigureOut">
               <a:rPr lang="en-US" smtClean="0"/>
-              <a:t>8/7/2023</a:t>
+              <a:t>8/9/23</a:t>
             </a:fld>
             <a:endParaRPr lang="en-US"/>
           </a:p>
@@ -2136,7 +2141,7 @@
           <a:p>
             <a:fld id="{E5553C63-6263-474D-8E88-FA6D97D5830B}" type="datetimeFigureOut">
               <a:rPr lang="en-US" smtClean="0"/>
-              <a:t>8/7/2023</a:t>
+              <a:t>8/9/23</a:t>
             </a:fld>
             <a:endParaRPr lang="en-US"/>
           </a:p>
@@ -2393,7 +2398,7 @@
           <a:p>
             <a:fld id="{E5553C63-6263-474D-8E88-FA6D97D5830B}" type="datetimeFigureOut">
               <a:rPr lang="en-US" smtClean="0"/>
-              <a:t>8/7/2023</a:t>
+              <a:t>8/9/23</a:t>
             </a:fld>
             <a:endParaRPr lang="en-US"/>
           </a:p>
@@ -2606,7 +2611,7 @@
           <a:p>
             <a:fld id="{E5553C63-6263-474D-8E88-FA6D97D5830B}" type="datetimeFigureOut">
               <a:rPr lang="en-US" smtClean="0"/>
-              <a:t>8/7/2023</a:t>
+              <a:t>8/9/23</a:t>
             </a:fld>
             <a:endParaRPr lang="en-US"/>
           </a:p>
@@ -3011,8 +3016,8 @@
           <a:chExt cx="0" cy="0"/>
         </a:xfrm>
       </p:grpSpPr>
-      <mc:AlternateContent xmlns:mc="http://schemas.openxmlformats.org/markup-compatibility/2006">
-        <mc:Choice xmlns:a14="http://schemas.microsoft.com/office/drawing/2010/main" Requires="a14">
+      <mc:AlternateContent xmlns:mc="http://schemas.openxmlformats.org/markup-compatibility/2006" xmlns:a14="http://schemas.microsoft.com/office/drawing/2010/main">
+        <mc:Choice Requires="a14">
           <p:graphicFrame>
             <p:nvGraphicFramePr>
               <p:cNvPr id="58" name="Table 4">
@@ -4862,7 +4867,7 @@
             </a:graphic>
           </p:graphicFrame>
         </mc:Choice>
-        <mc:Fallback>
+        <mc:Fallback xmlns="">
           <p:graphicFrame>
             <p:nvGraphicFramePr>
               <p:cNvPr id="58" name="Table 4">
@@ -7049,8 +7054,8 @@
           </p:sp>
         </p:grpSp>
       </p:grpSp>
-      <mc:AlternateContent xmlns:mc="http://schemas.openxmlformats.org/markup-compatibility/2006">
-        <mc:Choice xmlns:a14="http://schemas.microsoft.com/office/drawing/2010/main" Requires="a14">
+      <mc:AlternateContent xmlns:mc="http://schemas.openxmlformats.org/markup-compatibility/2006" xmlns:a14="http://schemas.microsoft.com/office/drawing/2010/main">
+        <mc:Choice Requires="a14">
           <p:graphicFrame>
             <p:nvGraphicFramePr>
               <p:cNvPr id="86" name="Table 4">
@@ -8888,7 +8893,7 @@
             </a:graphic>
           </p:graphicFrame>
         </mc:Choice>
-        <mc:Fallback>
+        <mc:Fallback xmlns="">
           <p:graphicFrame>
             <p:nvGraphicFramePr>
               <p:cNvPr id="86" name="Table 4">
@@ -11075,8 +11080,8 @@
           </p:sp>
         </p:grpSp>
       </p:grpSp>
-      <mc:AlternateContent xmlns:mc="http://schemas.openxmlformats.org/markup-compatibility/2006">
-        <mc:Choice xmlns:a14="http://schemas.microsoft.com/office/drawing/2010/main" Requires="a14">
+      <mc:AlternateContent xmlns:mc="http://schemas.openxmlformats.org/markup-compatibility/2006" xmlns:a14="http://schemas.microsoft.com/office/drawing/2010/main">
+        <mc:Choice Requires="a14">
           <p:sp>
             <p:nvSpPr>
               <p:cNvPr id="114" name="Rectangle: Rounded Corners 113">
@@ -11277,7 +11282,7 @@
             </p:txBody>
           </p:sp>
         </mc:Choice>
-        <mc:Fallback>
+        <mc:Fallback xmlns="">
           <p:sp>
             <p:nvSpPr>
               <p:cNvPr id="114" name="Rectangle: Rounded Corners 113">
@@ -11324,8 +11329,8 @@
           </p:sp>
         </mc:Fallback>
       </mc:AlternateContent>
-      <mc:AlternateContent xmlns:mc="http://schemas.openxmlformats.org/markup-compatibility/2006">
-        <mc:Choice xmlns:a14="http://schemas.microsoft.com/office/drawing/2010/main" Requires="a14">
+      <mc:AlternateContent xmlns:mc="http://schemas.openxmlformats.org/markup-compatibility/2006" xmlns:a14="http://schemas.microsoft.com/office/drawing/2010/main">
+        <mc:Choice Requires="a14">
           <p:sp>
             <p:nvSpPr>
               <p:cNvPr id="115" name="Rectangle: Rounded Corners 114">
@@ -11526,7 +11531,7 @@
             </p:txBody>
           </p:sp>
         </mc:Choice>
-        <mc:Fallback>
+        <mc:Fallback xmlns="">
           <p:sp>
             <p:nvSpPr>
               <p:cNvPr id="115" name="Rectangle: Rounded Corners 114">
@@ -12634,8 +12639,8 @@
         </p:nvCxnSpPr>
         <p:spPr>
           <a:xfrm flipV="1">
-            <a:off x="4596293" y="3508939"/>
-            <a:ext cx="735129" cy="501263"/>
+            <a:off x="4596293" y="3503464"/>
+            <a:ext cx="743159" cy="506736"/>
           </a:xfrm>
           <a:prstGeom prst="curvedConnector3">
             <a:avLst>
@@ -12661,8 +12666,8 @@
           </a:fontRef>
         </p:style>
       </p:cxnSp>
-      <mc:AlternateContent xmlns:mc="http://schemas.openxmlformats.org/markup-compatibility/2006">
-        <mc:Choice xmlns:a14="http://schemas.microsoft.com/office/drawing/2010/main" Requires="a14">
+      <mc:AlternateContent xmlns:mc="http://schemas.openxmlformats.org/markup-compatibility/2006" xmlns:a14="http://schemas.microsoft.com/office/drawing/2010/main">
+        <mc:Choice Requires="a14">
           <p:sp>
             <p:nvSpPr>
               <p:cNvPr id="119" name="Rectangle: Rounded Corners 118">
@@ -12863,7 +12868,7 @@
             </p:txBody>
           </p:sp>
         </mc:Choice>
-        <mc:Fallback>
+        <mc:Fallback xmlns="">
           <p:sp>
             <p:nvSpPr>
               <p:cNvPr id="119" name="Rectangle: Rounded Corners 118">
@@ -13749,8 +13754,8 @@
         </p:nvCxnSpPr>
         <p:spPr>
           <a:xfrm flipH="1">
-            <a:off x="4848669" y="3331977"/>
-            <a:ext cx="483263" cy="0"/>
+            <a:off x="4964305" y="3331977"/>
+            <a:ext cx="367627" cy="0"/>
           </a:xfrm>
           <a:prstGeom prst="straightConnector1">
             <a:avLst/>
@@ -13774,8 +13779,8 @@
           </a:fontRef>
         </p:style>
       </p:cxnSp>
-      <mc:AlternateContent xmlns:mc="http://schemas.openxmlformats.org/markup-compatibility/2006">
-        <mc:Choice xmlns:a14="http://schemas.microsoft.com/office/drawing/2010/main" Requires="a14">
+      <mc:AlternateContent xmlns:mc="http://schemas.openxmlformats.org/markup-compatibility/2006" xmlns:a14="http://schemas.microsoft.com/office/drawing/2010/main">
+        <mc:Choice Requires="a14">
           <p:sp>
             <p:nvSpPr>
               <p:cNvPr id="142" name="TextBox 141">
@@ -13991,7 +13996,7 @@
             </p:txBody>
           </p:sp>
         </mc:Choice>
-        <mc:Fallback>
+        <mc:Fallback xmlns="">
           <p:sp>
             <p:nvSpPr>
               <p:cNvPr id="142" name="TextBox 141">
@@ -14052,7 +14057,7 @@
         </p:nvCxnSpPr>
         <p:spPr>
           <a:xfrm>
-            <a:off x="1918834" y="5118098"/>
+            <a:off x="1850254" y="5118098"/>
             <a:ext cx="0" cy="1238778"/>
           </a:xfrm>
           <a:prstGeom prst="line">
@@ -14080,8 +14085,8 @@
           </a:fontRef>
         </p:style>
       </p:cxnSp>
-      <mc:AlternateContent xmlns:mc="http://schemas.openxmlformats.org/markup-compatibility/2006">
-        <mc:Choice xmlns:a14="http://schemas.microsoft.com/office/drawing/2010/main" Requires="a14">
+      <mc:AlternateContent xmlns:mc="http://schemas.openxmlformats.org/markup-compatibility/2006" xmlns:a14="http://schemas.microsoft.com/office/drawing/2010/main">
+        <mc:Choice Requires="a14">
           <p:sp>
             <p:nvSpPr>
               <p:cNvPr id="144" name="Rectangle: Rounded Corners 143">
@@ -14261,7 +14266,7 @@
             </p:txBody>
           </p:sp>
         </mc:Choice>
-        <mc:Fallback>
+        <mc:Fallback xmlns="">
           <p:sp>
             <p:nvSpPr>
               <p:cNvPr id="144" name="Rectangle: Rounded Corners 143">
@@ -14308,8 +14313,8 @@
           </p:sp>
         </mc:Fallback>
       </mc:AlternateContent>
-      <mc:AlternateContent xmlns:mc="http://schemas.openxmlformats.org/markup-compatibility/2006">
-        <mc:Choice xmlns:a14="http://schemas.microsoft.com/office/drawing/2010/main" Requires="a14">
+      <mc:AlternateContent xmlns:mc="http://schemas.openxmlformats.org/markup-compatibility/2006" xmlns:a14="http://schemas.microsoft.com/office/drawing/2010/main">
+        <mc:Choice Requires="a14">
           <p:sp>
             <p:nvSpPr>
               <p:cNvPr id="145" name="Rectangle: Rounded Corners 144">
@@ -14489,7 +14494,7 @@
             </p:txBody>
           </p:sp>
         </mc:Choice>
-        <mc:Fallback>
+        <mc:Fallback xmlns="">
           <p:sp>
             <p:nvSpPr>
               <p:cNvPr id="145" name="Rectangle: Rounded Corners 144">
@@ -14551,13 +14556,13 @@
           <p:nvPr>
             <p:extLst>
               <p:ext uri="{D42A27DB-BD31-4B8C-83A1-F6EECF244321}">
-                <p14:modId xmlns:p14="http://schemas.microsoft.com/office/powerpoint/2010/main" val="304085223"/>
+                <p14:modId xmlns:p14="http://schemas.microsoft.com/office/powerpoint/2010/main" val="1433871261"/>
               </p:ext>
             </p:extLst>
           </p:nvPr>
         </p:nvGraphicFramePr>
         <p:xfrm>
-          <a:off x="2103553" y="2986545"/>
+          <a:off x="2164513" y="2986545"/>
           <a:ext cx="664328" cy="664328"/>
         </p:xfrm>
         <a:graphic>
@@ -15190,7 +15195,7 @@
                     <a:bodyPr/>
                     <a:lstStyle/>
                     <a:p>
-                      <a:endParaRPr lang="en-US" sz="300"/>
+                      <a:endParaRPr lang="en-US" sz="300" dirty="0"/>
                     </a:p>
                   </a:txBody>
                   <a:tcPr marL="15386" marR="15386" marT="7693" marB="7693">
@@ -15204,7 +15209,7 @@
                     <a:bodyPr/>
                     <a:lstStyle/>
                     <a:p>
-                      <a:endParaRPr lang="en-US" sz="300"/>
+                      <a:endParaRPr lang="en-US" sz="300" dirty="0"/>
                     </a:p>
                   </a:txBody>
                   <a:tcPr marL="15386" marR="15386" marT="7693" marB="7693">
@@ -15225,7 +15230,7 @@
                     <a:bodyPr/>
                     <a:lstStyle/>
                     <a:p>
-                      <a:endParaRPr lang="en-US" sz="300"/>
+                      <a:endParaRPr lang="en-US" sz="300" dirty="0"/>
                     </a:p>
                   </a:txBody>
                   <a:tcPr marL="15386" marR="15386" marT="7693" marB="7693">
@@ -15239,7 +15244,7 @@
                     <a:bodyPr/>
                     <a:lstStyle/>
                     <a:p>
-                      <a:endParaRPr lang="en-US" sz="300"/>
+                      <a:endParaRPr lang="en-US" sz="300" dirty="0"/>
                     </a:p>
                   </a:txBody>
                   <a:tcPr marL="15386" marR="15386" marT="7693" marB="7693">
@@ -15253,7 +15258,7 @@
                     <a:bodyPr/>
                     <a:lstStyle/>
                     <a:p>
-                      <a:endParaRPr lang="en-US" sz="300"/>
+                      <a:endParaRPr lang="en-US" sz="300" dirty="0"/>
                     </a:p>
                   </a:txBody>
                   <a:tcPr marL="15386" marR="15386" marT="7693" marB="7693">
@@ -15267,7 +15272,7 @@
                     <a:bodyPr/>
                     <a:lstStyle/>
                     <a:p>
-                      <a:endParaRPr lang="en-US" sz="300"/>
+                      <a:endParaRPr lang="en-US" sz="300" dirty="0"/>
                     </a:p>
                   </a:txBody>
                   <a:tcPr marL="15386" marR="15386" marT="7693" marB="7693">
@@ -15281,7 +15286,7 @@
                     <a:bodyPr/>
                     <a:lstStyle/>
                     <a:p>
-                      <a:endParaRPr lang="en-US" sz="300"/>
+                      <a:endParaRPr lang="en-US" sz="300" dirty="0"/>
                     </a:p>
                   </a:txBody>
                   <a:tcPr marL="15386" marR="15386" marT="7693" marB="7693">
@@ -15295,7 +15300,7 @@
                     <a:bodyPr/>
                     <a:lstStyle/>
                     <a:p>
-                      <a:endParaRPr lang="en-US" sz="300"/>
+                      <a:endParaRPr lang="en-US" sz="300" dirty="0"/>
                     </a:p>
                   </a:txBody>
                   <a:tcPr marL="15386" marR="15386" marT="7693" marB="7693">
@@ -15309,7 +15314,7 @@
                     <a:bodyPr/>
                     <a:lstStyle/>
                     <a:p>
-                      <a:endParaRPr lang="en-US" sz="300"/>
+                      <a:endParaRPr lang="en-US" sz="300" dirty="0"/>
                     </a:p>
                   </a:txBody>
                   <a:tcPr marL="15386" marR="15386" marT="7693" marB="7693">
@@ -15323,7 +15328,7 @@
                     <a:bodyPr/>
                     <a:lstStyle/>
                     <a:p>
-                      <a:endParaRPr lang="en-US" sz="300"/>
+                      <a:endParaRPr lang="en-US" sz="300" dirty="0"/>
                     </a:p>
                   </a:txBody>
                   <a:tcPr marL="15386" marR="15386" marT="7693" marB="7693">
@@ -15344,7 +15349,7 @@
                     <a:bodyPr/>
                     <a:lstStyle/>
                     <a:p>
-                      <a:endParaRPr lang="en-US" sz="300"/>
+                      <a:endParaRPr lang="en-US" sz="300" dirty="0"/>
                     </a:p>
                   </a:txBody>
                   <a:tcPr marL="15386" marR="15386" marT="7693" marB="7693">
@@ -15358,7 +15363,7 @@
                     <a:bodyPr/>
                     <a:lstStyle/>
                     <a:p>
-                      <a:endParaRPr lang="en-US" sz="300"/>
+                      <a:endParaRPr lang="en-US" sz="300" dirty="0"/>
                     </a:p>
                   </a:txBody>
                   <a:tcPr marL="15386" marR="15386" marT="7693" marB="7693">
@@ -15519,7 +15524,7 @@
                     <a:bodyPr/>
                     <a:lstStyle/>
                     <a:p>
-                      <a:endParaRPr lang="en-US" sz="300"/>
+                      <a:endParaRPr lang="en-US" sz="300" dirty="0"/>
                     </a:p>
                   </a:txBody>
                   <a:tcPr marL="15386" marR="15386" marT="7693" marB="7693">
@@ -15580,8 +15585,8 @@
           </a:graphicData>
         </a:graphic>
       </p:graphicFrame>
-      <mc:AlternateContent xmlns:mc="http://schemas.openxmlformats.org/markup-compatibility/2006">
-        <mc:Choice xmlns:a14="http://schemas.microsoft.com/office/drawing/2010/main" Requires="a14">
+      <mc:AlternateContent xmlns:mc="http://schemas.openxmlformats.org/markup-compatibility/2006" xmlns:a14="http://schemas.microsoft.com/office/drawing/2010/main">
+        <mc:Choice Requires="a14">
           <p:sp>
             <p:nvSpPr>
               <p:cNvPr id="147" name="TextBox 146">
@@ -15795,7 +15800,7 @@
             </p:txBody>
           </p:sp>
         </mc:Choice>
-        <mc:Fallback>
+        <mc:Fallback xmlns="">
           <p:sp>
             <p:nvSpPr>
               <p:cNvPr id="147" name="TextBox 146">
@@ -15840,8 +15845,8 @@
           </p:sp>
         </mc:Fallback>
       </mc:AlternateContent>
-      <mc:AlternateContent xmlns:mc="http://schemas.openxmlformats.org/markup-compatibility/2006">
-        <mc:Choice xmlns:a14="http://schemas.microsoft.com/office/drawing/2010/main" Requires="a14">
+      <mc:AlternateContent xmlns:mc="http://schemas.openxmlformats.org/markup-compatibility/2006" xmlns:a14="http://schemas.microsoft.com/office/drawing/2010/main">
+        <mc:Choice Requires="a14">
           <p:sp>
             <p:nvSpPr>
               <p:cNvPr id="148" name="Rectangle: Rounded Corners 147">
@@ -16021,7 +16026,7 @@
             </p:txBody>
           </p:sp>
         </mc:Choice>
-        <mc:Fallback>
+        <mc:Fallback xmlns="">
           <p:sp>
             <p:nvSpPr>
               <p:cNvPr id="148" name="Rectangle: Rounded Corners 147">
@@ -16068,8 +16073,8 @@
           </p:sp>
         </mc:Fallback>
       </mc:AlternateContent>
-      <mc:AlternateContent xmlns:mc="http://schemas.openxmlformats.org/markup-compatibility/2006">
-        <mc:Choice xmlns:a14="http://schemas.microsoft.com/office/drawing/2010/main" Requires="a14">
+      <mc:AlternateContent xmlns:mc="http://schemas.openxmlformats.org/markup-compatibility/2006" xmlns:a14="http://schemas.microsoft.com/office/drawing/2010/main">
+        <mc:Choice Requires="a14">
           <p:sp>
             <p:nvSpPr>
               <p:cNvPr id="149" name="Rectangle: Rounded Corners 148">
@@ -16249,7 +16254,7 @@
             </p:txBody>
           </p:sp>
         </mc:Choice>
-        <mc:Fallback>
+        <mc:Fallback xmlns="">
           <p:sp>
             <p:nvSpPr>
               <p:cNvPr id="149" name="Rectangle: Rounded Corners 148">
@@ -16712,7 +16717,7 @@
                     <a:bodyPr/>
                     <a:lstStyle/>
                     <a:p>
-                      <a:endParaRPr lang="en-US" sz="300"/>
+                      <a:endParaRPr lang="en-US" sz="300" dirty="0"/>
                     </a:p>
                   </a:txBody>
                   <a:tcPr marL="15386" marR="15386" marT="7693" marB="7693">
@@ -16999,7 +17004,7 @@
                     <a:bodyPr/>
                     <a:lstStyle/>
                     <a:p>
-                      <a:endParaRPr lang="en-US" sz="300"/>
+                      <a:endParaRPr lang="en-US" sz="300" dirty="0"/>
                     </a:p>
                   </a:txBody>
                   <a:tcPr marL="15386" marR="15386" marT="7693" marB="7693">
@@ -17382,8 +17387,8 @@
           </a:fontRef>
         </p:style>
       </p:cxnSp>
-      <mc:AlternateContent xmlns:mc="http://schemas.openxmlformats.org/markup-compatibility/2006">
-        <mc:Choice xmlns:a14="http://schemas.microsoft.com/office/drawing/2010/main" Requires="a14">
+      <mc:AlternateContent xmlns:mc="http://schemas.openxmlformats.org/markup-compatibility/2006" xmlns:a14="http://schemas.microsoft.com/office/drawing/2010/main">
+        <mc:Choice Requires="a14">
           <p:sp>
             <p:nvSpPr>
               <p:cNvPr id="152" name="Rectangle: Rounded Corners 151">
@@ -17563,7 +17568,7 @@
             </p:txBody>
           </p:sp>
         </mc:Choice>
-        <mc:Fallback>
+        <mc:Fallback xmlns="">
           <p:sp>
             <p:nvSpPr>
               <p:cNvPr id="152" name="Rectangle: Rounded Corners 151">
@@ -17624,7 +17629,7 @@
         </p:nvSpPr>
         <p:spPr>
           <a:xfrm>
-            <a:off x="1544239" y="4748418"/>
+            <a:off x="1483279" y="4717938"/>
             <a:ext cx="723836" cy="369332"/>
           </a:xfrm>
           <a:prstGeom prst="rect">
@@ -18502,7 +18507,7 @@
         <p:spPr>
           <a:xfrm flipV="1">
             <a:off x="1820678" y="3650873"/>
-            <a:ext cx="615039" cy="204709"/>
+            <a:ext cx="675999" cy="204709"/>
           </a:xfrm>
           <a:prstGeom prst="curvedConnector2">
             <a:avLst/>
@@ -18537,13 +18542,14 @@
           </p:cNvPr>
           <p:cNvCxnSpPr>
             <a:cxnSpLocks/>
+            <a:stCxn id="146" idx="1"/>
           </p:cNvCxnSpPr>
           <p:nvPr/>
         </p:nvCxnSpPr>
         <p:spPr>
           <a:xfrm flipH="1">
-            <a:off x="1683650" y="3325158"/>
-            <a:ext cx="419903" cy="0"/>
+            <a:off x="1683650" y="3318709"/>
+            <a:ext cx="480863" cy="6449"/>
           </a:xfrm>
           <a:prstGeom prst="straightConnector1">
             <a:avLst/>
@@ -19324,8 +19330,8 @@
           </a:p>
         </p:txBody>
       </p:sp>
-      <mc:AlternateContent xmlns:mc="http://schemas.openxmlformats.org/markup-compatibility/2006">
-        <mc:Choice xmlns:a14="http://schemas.microsoft.com/office/drawing/2010/main" Requires="a14">
+      <mc:AlternateContent xmlns:mc="http://schemas.openxmlformats.org/markup-compatibility/2006" xmlns:a14="http://schemas.microsoft.com/office/drawing/2010/main">
+        <mc:Choice Requires="a14">
           <p:sp>
             <p:nvSpPr>
               <p:cNvPr id="198" name="TextBox 197">
@@ -19539,7 +19545,7 @@
             </p:txBody>
           </p:sp>
         </mc:Choice>
-        <mc:Fallback>
+        <mc:Fallback xmlns="">
           <p:sp>
             <p:nvSpPr>
               <p:cNvPr id="198" name="TextBox 197">
@@ -19625,8 +19631,8 @@
           </a:p>
         </p:txBody>
       </p:sp>
-      <mc:AlternateContent xmlns:mc="http://schemas.openxmlformats.org/markup-compatibility/2006">
-        <mc:Choice xmlns:a14="http://schemas.microsoft.com/office/drawing/2010/main" Requires="a14">
+      <mc:AlternateContent xmlns:mc="http://schemas.openxmlformats.org/markup-compatibility/2006" xmlns:a14="http://schemas.microsoft.com/office/drawing/2010/main">
+        <mc:Choice Requires="a14">
           <p:sp>
             <p:nvSpPr>
               <p:cNvPr id="202" name="TextBox 201">
@@ -20213,7 +20219,7 @@
             </p:txBody>
           </p:sp>
         </mc:Choice>
-        <mc:Fallback>
+        <mc:Fallback xmlns="">
           <p:sp>
             <p:nvSpPr>
               <p:cNvPr id="202" name="TextBox 201">
@@ -20258,8 +20264,8 @@
           </p:sp>
         </mc:Fallback>
       </mc:AlternateContent>
-      <mc:AlternateContent xmlns:mc="http://schemas.openxmlformats.org/markup-compatibility/2006">
-        <mc:Choice xmlns:a14="http://schemas.microsoft.com/office/drawing/2010/main" Requires="a14">
+      <mc:AlternateContent xmlns:mc="http://schemas.openxmlformats.org/markup-compatibility/2006" xmlns:a14="http://schemas.microsoft.com/office/drawing/2010/main">
+        <mc:Choice Requires="a14">
           <p:sp>
             <p:nvSpPr>
               <p:cNvPr id="203" name="TextBox 202">
@@ -20359,7 +20365,7 @@
             </p:txBody>
           </p:sp>
         </mc:Choice>
-        <mc:Fallback>
+        <mc:Fallback xmlns="">
           <p:sp>
             <p:nvSpPr>
               <p:cNvPr id="203" name="TextBox 202">
@@ -20404,8 +20410,8 @@
           </p:sp>
         </mc:Fallback>
       </mc:AlternateContent>
-      <mc:AlternateContent xmlns:mc="http://schemas.openxmlformats.org/markup-compatibility/2006">
-        <mc:Choice xmlns:a14="http://schemas.microsoft.com/office/drawing/2010/main" Requires="a14">
+      <mc:AlternateContent xmlns:mc="http://schemas.openxmlformats.org/markup-compatibility/2006" xmlns:a14="http://schemas.microsoft.com/office/drawing/2010/main">
+        <mc:Choice Requires="a14">
           <p:sp>
             <p:nvSpPr>
               <p:cNvPr id="204" name="TextBox 203">
@@ -20517,7 +20523,7 @@
             </p:txBody>
           </p:sp>
         </mc:Choice>
-        <mc:Fallback>
+        <mc:Fallback xmlns="">
           <p:sp>
             <p:nvSpPr>
               <p:cNvPr id="204" name="TextBox 203">
@@ -20562,8 +20568,8 @@
           </p:sp>
         </mc:Fallback>
       </mc:AlternateContent>
-      <mc:AlternateContent xmlns:mc="http://schemas.openxmlformats.org/markup-compatibility/2006">
-        <mc:Choice xmlns:a14="http://schemas.microsoft.com/office/drawing/2010/main" Requires="a14">
+      <mc:AlternateContent xmlns:mc="http://schemas.openxmlformats.org/markup-compatibility/2006" xmlns:a14="http://schemas.microsoft.com/office/drawing/2010/main">
+        <mc:Choice Requires="a14">
           <p:sp>
             <p:nvSpPr>
               <p:cNvPr id="205" name="TextBox 204">
@@ -20670,7 +20676,7 @@
             </p:txBody>
           </p:sp>
         </mc:Choice>
-        <mc:Fallback>
+        <mc:Fallback xmlns="">
           <p:sp>
             <p:nvSpPr>
               <p:cNvPr id="205" name="TextBox 204">
@@ -20730,7 +20736,7 @@
         <p:spPr>
           <a:xfrm>
             <a:off x="3652585" y="4760410"/>
-            <a:ext cx="3121814" cy="1785104"/>
+            <a:ext cx="3121814" cy="2092881"/>
           </a:xfrm>
           <a:prstGeom prst="rect">
             <a:avLst/>
@@ -20755,7 +20761,49 @@
                 <a:latin typeface="Cambria" panose="02040503050406030204" pitchFamily="18" charset="0"/>
                 <a:ea typeface="Cambria" panose="02040503050406030204" pitchFamily="18" charset="0"/>
               </a:rPr>
-              <a:t>An illustration of the different attention mechanisms in Transformers and Abstractors. The transformer uses self-attention and cross-attention. The Abstractor framework introduces relational cross-attention as a new attention mechanism. In self-attention and cross-attention, relational information and value information of individual objects are mixed in message-passing-like operations. In relational cross-attention, since the ‘messages’ are input-independent symbols, the abstract states represent only relational information—this is the relational bottleneck.</a:t>
+              <a:t>An illustration of the different attention mechanisms in Transformers and Abstractors. The transformer uses </a:t>
+            </a:r>
+            <a:r>
+              <a:rPr lang="en-US" sz="1000" b="1" i="1" dirty="0">
+                <a:latin typeface="Cambria" panose="02040503050406030204" pitchFamily="18" charset="0"/>
+                <a:ea typeface="Cambria" panose="02040503050406030204" pitchFamily="18" charset="0"/>
+              </a:rPr>
+              <a:t>(a)</a:t>
+            </a:r>
+            <a:r>
+              <a:rPr lang="en-US" sz="1000" i="1" dirty="0">
+                <a:latin typeface="Cambria" panose="02040503050406030204" pitchFamily="18" charset="0"/>
+                <a:ea typeface="Cambria" panose="02040503050406030204" pitchFamily="18" charset="0"/>
+              </a:rPr>
+              <a:t> self-attention and </a:t>
+            </a:r>
+            <a:r>
+              <a:rPr lang="en-US" sz="1000" b="1" i="1" dirty="0">
+                <a:latin typeface="Cambria" panose="02040503050406030204" pitchFamily="18" charset="0"/>
+                <a:ea typeface="Cambria" panose="02040503050406030204" pitchFamily="18" charset="0"/>
+              </a:rPr>
+              <a:t>(b)</a:t>
+            </a:r>
+            <a:r>
+              <a:rPr lang="en-US" sz="1000" i="1" dirty="0">
+                <a:latin typeface="Cambria" panose="02040503050406030204" pitchFamily="18" charset="0"/>
+                <a:ea typeface="Cambria" panose="02040503050406030204" pitchFamily="18" charset="0"/>
+              </a:rPr>
+              <a:t> cross-attention. The Abstractor framework introduces </a:t>
+            </a:r>
+            <a:r>
+              <a:rPr lang="en-US" sz="1000" b="1" i="1" dirty="0">
+                <a:latin typeface="Cambria" panose="02040503050406030204" pitchFamily="18" charset="0"/>
+                <a:ea typeface="Cambria" panose="02040503050406030204" pitchFamily="18" charset="0"/>
+              </a:rPr>
+              <a:t>(c) </a:t>
+            </a:r>
+            <a:r>
+              <a:rPr lang="en-US" sz="1000" i="1" dirty="0">
+                <a:latin typeface="Cambria" panose="02040503050406030204" pitchFamily="18" charset="0"/>
+                <a:ea typeface="Cambria" panose="02040503050406030204" pitchFamily="18" charset="0"/>
+              </a:rPr>
+              <a:t>relational cross-attention as a new attention mechanism. K, Q, and V denote keys, queries, and values. R denotes relation tensor. In self-attention and cross-attention, relational information and value information of individual objects are mixed in message-passing-like operations. In relational cross-attention, since the ‘messages’ are input-independent symbols, the abstract states represent only relational information—this is the relational bottleneck.</a:t>
             </a:r>
             <a:endParaRPr lang="en-US" sz="1000" b="1" i="1" dirty="0">
               <a:latin typeface="Cambria" panose="02040503050406030204" pitchFamily="18" charset="0"/>
@@ -22494,6 +22542,471 @@
           </p:style>
         </p:cxnSp>
       </p:grpSp>
+      <p:sp>
+        <p:nvSpPr>
+          <p:cNvPr id="3" name="TextBox 2">
+            <a:extLst>
+              <a:ext uri="{FF2B5EF4-FFF2-40B4-BE49-F238E27FC236}">
+                <a16:creationId xmlns:a16="http://schemas.microsoft.com/office/drawing/2014/main" id="{6C7EF554-08EB-3622-5F32-12F77FFAF326}"/>
+              </a:ext>
+            </a:extLst>
+          </p:cNvPr>
+          <p:cNvSpPr txBox="1">
+            <a:spLocks/>
+          </p:cNvSpPr>
+          <p:nvPr/>
+        </p:nvSpPr>
+        <p:spPr>
+          <a:xfrm>
+            <a:off x="5132125" y="3520373"/>
+            <a:ext cx="248787" cy="215444"/>
+          </a:xfrm>
+          <a:prstGeom prst="rect">
+            <a:avLst/>
+          </a:prstGeom>
+          <a:noFill/>
+        </p:spPr>
+        <p:txBody>
+          <a:bodyPr wrap="none" rtlCol="0">
+            <a:spAutoFit/>
+          </a:bodyPr>
+          <a:lstStyle/>
+          <a:p>
+            <a:pPr algn="ctr"/>
+            <a:r>
+              <a:rPr lang="en-US" sz="800" i="1" dirty="0">
+                <a:latin typeface="Cambria Math" panose="02040503050406030204" pitchFamily="18" charset="0"/>
+                <a:ea typeface="Cambria Math" panose="02040503050406030204" pitchFamily="18" charset="0"/>
+              </a:rPr>
+              <a:t>K</a:t>
+            </a:r>
+            <a:endParaRPr lang="en-US" sz="800" i="1" dirty="0"/>
+          </a:p>
+        </p:txBody>
+      </p:sp>
+      <p:sp>
+        <p:nvSpPr>
+          <p:cNvPr id="5" name="TextBox 4">
+            <a:extLst>
+              <a:ext uri="{FF2B5EF4-FFF2-40B4-BE49-F238E27FC236}">
+                <a16:creationId xmlns:a16="http://schemas.microsoft.com/office/drawing/2014/main" id="{089D1166-CBF2-DD44-DBE1-BB9DF3168AC9}"/>
+              </a:ext>
+            </a:extLst>
+          </p:cNvPr>
+          <p:cNvSpPr txBox="1">
+            <a:spLocks/>
+          </p:cNvSpPr>
+          <p:nvPr/>
+        </p:nvSpPr>
+        <p:spPr>
+          <a:xfrm>
+            <a:off x="5656302" y="3649913"/>
+            <a:ext cx="251992" cy="215444"/>
+          </a:xfrm>
+          <a:prstGeom prst="rect">
+            <a:avLst/>
+          </a:prstGeom>
+          <a:noFill/>
+        </p:spPr>
+        <p:txBody>
+          <a:bodyPr wrap="none" rtlCol="0">
+            <a:spAutoFit/>
+          </a:bodyPr>
+          <a:lstStyle/>
+          <a:p>
+            <a:pPr algn="ctr"/>
+            <a:r>
+              <a:rPr lang="en-US" sz="800" i="1" dirty="0">
+                <a:latin typeface="Cambria Math" panose="02040503050406030204" pitchFamily="18" charset="0"/>
+                <a:ea typeface="Cambria Math" panose="02040503050406030204" pitchFamily="18" charset="0"/>
+              </a:rPr>
+              <a:t>Q</a:t>
+            </a:r>
+            <a:endParaRPr lang="en-US" sz="800" i="1" dirty="0"/>
+          </a:p>
+        </p:txBody>
+      </p:sp>
+      <p:sp>
+        <p:nvSpPr>
+          <p:cNvPr id="6" name="TextBox 5">
+            <a:extLst>
+              <a:ext uri="{FF2B5EF4-FFF2-40B4-BE49-F238E27FC236}">
+                <a16:creationId xmlns:a16="http://schemas.microsoft.com/office/drawing/2014/main" id="{F7648AD6-70A6-BF8A-7088-13156DA32989}"/>
+              </a:ext>
+            </a:extLst>
+          </p:cNvPr>
+          <p:cNvSpPr txBox="1">
+            <a:spLocks/>
+          </p:cNvSpPr>
+          <p:nvPr/>
+        </p:nvSpPr>
+        <p:spPr>
+          <a:xfrm>
+            <a:off x="3168990" y="3667224"/>
+            <a:ext cx="247184" cy="215444"/>
+          </a:xfrm>
+          <a:prstGeom prst="rect">
+            <a:avLst/>
+          </a:prstGeom>
+          <a:noFill/>
+        </p:spPr>
+        <p:txBody>
+          <a:bodyPr wrap="none" rtlCol="0">
+            <a:spAutoFit/>
+          </a:bodyPr>
+          <a:lstStyle/>
+          <a:p>
+            <a:pPr algn="ctr"/>
+            <a:r>
+              <a:rPr lang="en-US" sz="800" i="1" dirty="0">
+                <a:latin typeface="Cambria Math" panose="02040503050406030204" pitchFamily="18" charset="0"/>
+                <a:ea typeface="Cambria Math" panose="02040503050406030204" pitchFamily="18" charset="0"/>
+              </a:rPr>
+              <a:t>V</a:t>
+            </a:r>
+            <a:endParaRPr lang="en-US" sz="800" i="1" dirty="0"/>
+          </a:p>
+        </p:txBody>
+      </p:sp>
+      <p:sp>
+        <p:nvSpPr>
+          <p:cNvPr id="7" name="TextBox 6">
+            <a:extLst>
+              <a:ext uri="{FF2B5EF4-FFF2-40B4-BE49-F238E27FC236}">
+                <a16:creationId xmlns:a16="http://schemas.microsoft.com/office/drawing/2014/main" id="{8589A1C4-6333-7EA4-EB27-55C390FA4BCF}"/>
+              </a:ext>
+            </a:extLst>
+          </p:cNvPr>
+          <p:cNvSpPr txBox="1">
+            <a:spLocks/>
+          </p:cNvSpPr>
+          <p:nvPr/>
+        </p:nvSpPr>
+        <p:spPr>
+          <a:xfrm>
+            <a:off x="279210" y="3535613"/>
+            <a:ext cx="247184" cy="215444"/>
+          </a:xfrm>
+          <a:prstGeom prst="rect">
+            <a:avLst/>
+          </a:prstGeom>
+          <a:noFill/>
+        </p:spPr>
+        <p:txBody>
+          <a:bodyPr wrap="none" rtlCol="0">
+            <a:spAutoFit/>
+          </a:bodyPr>
+          <a:lstStyle/>
+          <a:p>
+            <a:pPr algn="ctr"/>
+            <a:r>
+              <a:rPr lang="en-US" sz="800" i="1" dirty="0">
+                <a:latin typeface="Cambria Math" panose="02040503050406030204" pitchFamily="18" charset="0"/>
+                <a:ea typeface="Cambria Math" panose="02040503050406030204" pitchFamily="18" charset="0"/>
+              </a:rPr>
+              <a:t>V</a:t>
+            </a:r>
+            <a:endParaRPr lang="en-US" sz="800" i="1" dirty="0"/>
+          </a:p>
+        </p:txBody>
+      </p:sp>
+      <p:cxnSp>
+        <p:nvCxnSpPr>
+          <p:cNvPr id="12" name="Connector: Curved 116">
+            <a:extLst>
+              <a:ext uri="{FF2B5EF4-FFF2-40B4-BE49-F238E27FC236}">
+                <a16:creationId xmlns:a16="http://schemas.microsoft.com/office/drawing/2014/main" id="{E3550E5D-E2E1-72DB-B7A6-F885D36A6B1A}"/>
+              </a:ext>
+            </a:extLst>
+          </p:cNvPr>
+          <p:cNvCxnSpPr>
+            <a:cxnSpLocks/>
+          </p:cNvCxnSpPr>
+          <p:nvPr/>
+        </p:nvCxnSpPr>
+        <p:spPr>
+          <a:xfrm rot="5400000" flipH="1" flipV="1">
+            <a:off x="1818110" y="3490917"/>
+            <a:ext cx="336882" cy="332400"/>
+          </a:xfrm>
+          <a:prstGeom prst="curvedConnector2">
+            <a:avLst/>
+          </a:prstGeom>
+          <a:ln w="19050">
+            <a:tailEnd type="triangle"/>
+          </a:ln>
+        </p:spPr>
+        <p:style>
+          <a:lnRef idx="1">
+            <a:schemeClr val="accent1"/>
+          </a:lnRef>
+          <a:fillRef idx="0">
+            <a:schemeClr val="accent1"/>
+          </a:fillRef>
+          <a:effectRef idx="0">
+            <a:schemeClr val="accent1"/>
+          </a:effectRef>
+          <a:fontRef idx="minor">
+            <a:schemeClr val="tx1"/>
+          </a:fontRef>
+        </p:style>
+      </p:cxnSp>
+      <p:sp>
+        <p:nvSpPr>
+          <p:cNvPr id="22" name="TextBox 21">
+            <a:extLst>
+              <a:ext uri="{FF2B5EF4-FFF2-40B4-BE49-F238E27FC236}">
+                <a16:creationId xmlns:a16="http://schemas.microsoft.com/office/drawing/2014/main" id="{0651E6BB-8FF1-7318-622C-529DD25480D8}"/>
+              </a:ext>
+            </a:extLst>
+          </p:cNvPr>
+          <p:cNvSpPr txBox="1">
+            <a:spLocks/>
+          </p:cNvSpPr>
+          <p:nvPr/>
+        </p:nvSpPr>
+        <p:spPr>
+          <a:xfrm>
+            <a:off x="1962205" y="3505133"/>
+            <a:ext cx="248787" cy="215444"/>
+          </a:xfrm>
+          <a:prstGeom prst="rect">
+            <a:avLst/>
+          </a:prstGeom>
+          <a:noFill/>
+        </p:spPr>
+        <p:txBody>
+          <a:bodyPr wrap="none" rtlCol="0">
+            <a:spAutoFit/>
+          </a:bodyPr>
+          <a:lstStyle/>
+          <a:p>
+            <a:pPr algn="ctr"/>
+            <a:r>
+              <a:rPr lang="en-US" sz="800" i="1" dirty="0">
+                <a:latin typeface="Cambria Math" panose="02040503050406030204" pitchFamily="18" charset="0"/>
+                <a:ea typeface="Cambria Math" panose="02040503050406030204" pitchFamily="18" charset="0"/>
+              </a:rPr>
+              <a:t>K</a:t>
+            </a:r>
+            <a:endParaRPr lang="en-US" sz="800" i="1" dirty="0"/>
+          </a:p>
+        </p:txBody>
+      </p:sp>
+      <p:sp>
+        <p:nvSpPr>
+          <p:cNvPr id="23" name="TextBox 22">
+            <a:extLst>
+              <a:ext uri="{FF2B5EF4-FFF2-40B4-BE49-F238E27FC236}">
+                <a16:creationId xmlns:a16="http://schemas.microsoft.com/office/drawing/2014/main" id="{E8C405BD-D6D4-3DFD-7E42-DEA5FAD7372C}"/>
+              </a:ext>
+            </a:extLst>
+          </p:cNvPr>
+          <p:cNvSpPr txBox="1">
+            <a:spLocks/>
+          </p:cNvSpPr>
+          <p:nvPr/>
+        </p:nvSpPr>
+        <p:spPr>
+          <a:xfrm>
+            <a:off x="2455902" y="3619433"/>
+            <a:ext cx="251992" cy="215444"/>
+          </a:xfrm>
+          <a:prstGeom prst="rect">
+            <a:avLst/>
+          </a:prstGeom>
+          <a:noFill/>
+        </p:spPr>
+        <p:txBody>
+          <a:bodyPr wrap="none" rtlCol="0">
+            <a:spAutoFit/>
+          </a:bodyPr>
+          <a:lstStyle/>
+          <a:p>
+            <a:pPr algn="ctr"/>
+            <a:r>
+              <a:rPr lang="en-US" sz="800" i="1" dirty="0">
+                <a:latin typeface="Cambria Math" panose="02040503050406030204" pitchFamily="18" charset="0"/>
+                <a:ea typeface="Cambria Math" panose="02040503050406030204" pitchFamily="18" charset="0"/>
+              </a:rPr>
+              <a:t>Q</a:t>
+            </a:r>
+            <a:endParaRPr lang="en-US" sz="800" i="1" dirty="0"/>
+          </a:p>
+        </p:txBody>
+      </p:sp>
+      <p:cxnSp>
+        <p:nvCxnSpPr>
+          <p:cNvPr id="24" name="Connector: Curved 150">
+            <a:extLst>
+              <a:ext uri="{FF2B5EF4-FFF2-40B4-BE49-F238E27FC236}">
+                <a16:creationId xmlns:a16="http://schemas.microsoft.com/office/drawing/2014/main" id="{C765A900-CA95-D433-940E-C342A6E224C2}"/>
+              </a:ext>
+            </a:extLst>
+          </p:cNvPr>
+          <p:cNvCxnSpPr>
+            <a:cxnSpLocks/>
+            <a:stCxn id="148" idx="0"/>
+            <a:endCxn id="150" idx="1"/>
+          </p:cNvCxnSpPr>
+          <p:nvPr/>
+        </p:nvCxnSpPr>
+        <p:spPr>
+          <a:xfrm rot="16200000" flipV="1">
+            <a:off x="634777" y="5675231"/>
+            <a:ext cx="500948" cy="332165"/>
+          </a:xfrm>
+          <a:prstGeom prst="curvedConnector4">
+            <a:avLst>
+              <a:gd name="adj1" fmla="val 16846"/>
+              <a:gd name="adj2" fmla="val 169538"/>
+            </a:avLst>
+          </a:prstGeom>
+          <a:ln w="19050">
+            <a:tailEnd type="triangle"/>
+          </a:ln>
+        </p:spPr>
+        <p:style>
+          <a:lnRef idx="1">
+            <a:schemeClr val="accent1"/>
+          </a:lnRef>
+          <a:fillRef idx="0">
+            <a:schemeClr val="accent1"/>
+          </a:fillRef>
+          <a:effectRef idx="0">
+            <a:schemeClr val="accent1"/>
+          </a:effectRef>
+          <a:fontRef idx="minor">
+            <a:schemeClr val="tx1"/>
+          </a:fontRef>
+        </p:style>
+      </p:cxnSp>
+      <p:sp>
+        <p:nvSpPr>
+          <p:cNvPr id="35" name="TextBox 34">
+            <a:extLst>
+              <a:ext uri="{FF2B5EF4-FFF2-40B4-BE49-F238E27FC236}">
+                <a16:creationId xmlns:a16="http://schemas.microsoft.com/office/drawing/2014/main" id="{DF26E8CA-D0F8-E2B4-FEB6-E222E9DCB680}"/>
+              </a:ext>
+            </a:extLst>
+          </p:cNvPr>
+          <p:cNvSpPr txBox="1">
+            <a:spLocks/>
+          </p:cNvSpPr>
+          <p:nvPr/>
+        </p:nvSpPr>
+        <p:spPr>
+          <a:xfrm>
+            <a:off x="516195" y="5633021"/>
+            <a:ext cx="248787" cy="215444"/>
+          </a:xfrm>
+          <a:prstGeom prst="rect">
+            <a:avLst/>
+          </a:prstGeom>
+          <a:noFill/>
+        </p:spPr>
+        <p:txBody>
+          <a:bodyPr wrap="none" rtlCol="0">
+            <a:spAutoFit/>
+          </a:bodyPr>
+          <a:lstStyle/>
+          <a:p>
+            <a:pPr algn="ctr"/>
+            <a:r>
+              <a:rPr lang="en-US" sz="800" i="1" dirty="0">
+                <a:latin typeface="Cambria Math" panose="02040503050406030204" pitchFamily="18" charset="0"/>
+                <a:ea typeface="Cambria Math" panose="02040503050406030204" pitchFamily="18" charset="0"/>
+              </a:rPr>
+              <a:t>K</a:t>
+            </a:r>
+            <a:endParaRPr lang="en-US" sz="800" i="1" dirty="0"/>
+          </a:p>
+        </p:txBody>
+      </p:sp>
+      <p:sp>
+        <p:nvSpPr>
+          <p:cNvPr id="36" name="TextBox 35">
+            <a:extLst>
+              <a:ext uri="{FF2B5EF4-FFF2-40B4-BE49-F238E27FC236}">
+                <a16:creationId xmlns:a16="http://schemas.microsoft.com/office/drawing/2014/main" id="{0ADFDF1E-64C5-7085-6705-C36289765D2F}"/>
+              </a:ext>
+            </a:extLst>
+          </p:cNvPr>
+          <p:cNvSpPr txBox="1">
+            <a:spLocks/>
+          </p:cNvSpPr>
+          <p:nvPr/>
+        </p:nvSpPr>
+        <p:spPr>
+          <a:xfrm>
+            <a:off x="1053495" y="5888876"/>
+            <a:ext cx="251992" cy="215444"/>
+          </a:xfrm>
+          <a:prstGeom prst="rect">
+            <a:avLst/>
+          </a:prstGeom>
+          <a:noFill/>
+        </p:spPr>
+        <p:txBody>
+          <a:bodyPr wrap="none" rtlCol="0">
+            <a:spAutoFit/>
+          </a:bodyPr>
+          <a:lstStyle/>
+          <a:p>
+            <a:pPr algn="ctr"/>
+            <a:r>
+              <a:rPr lang="en-US" sz="800" i="1" dirty="0">
+                <a:latin typeface="Cambria Math" panose="02040503050406030204" pitchFamily="18" charset="0"/>
+                <a:ea typeface="Cambria Math" panose="02040503050406030204" pitchFamily="18" charset="0"/>
+              </a:rPr>
+              <a:t>Q</a:t>
+            </a:r>
+            <a:endParaRPr lang="en-US" sz="800" i="1" dirty="0"/>
+          </a:p>
+        </p:txBody>
+      </p:sp>
+      <p:sp>
+        <p:nvSpPr>
+          <p:cNvPr id="37" name="TextBox 36">
+            <a:extLst>
+              <a:ext uri="{FF2B5EF4-FFF2-40B4-BE49-F238E27FC236}">
+                <a16:creationId xmlns:a16="http://schemas.microsoft.com/office/drawing/2014/main" id="{99291015-0781-A4CF-A182-829EBF58CE3D}"/>
+              </a:ext>
+            </a:extLst>
+          </p:cNvPr>
+          <p:cNvSpPr txBox="1">
+            <a:spLocks/>
+          </p:cNvSpPr>
+          <p:nvPr/>
+        </p:nvSpPr>
+        <p:spPr>
+          <a:xfrm>
+            <a:off x="3157869" y="5896496"/>
+            <a:ext cx="247184" cy="215444"/>
+          </a:xfrm>
+          <a:prstGeom prst="rect">
+            <a:avLst/>
+          </a:prstGeom>
+          <a:noFill/>
+        </p:spPr>
+        <p:txBody>
+          <a:bodyPr wrap="none" rtlCol="0">
+            <a:spAutoFit/>
+          </a:bodyPr>
+          <a:lstStyle/>
+          <a:p>
+            <a:pPr algn="ctr"/>
+            <a:r>
+              <a:rPr lang="en-US" sz="800" i="1" dirty="0">
+                <a:latin typeface="Cambria Math" panose="02040503050406030204" pitchFamily="18" charset="0"/>
+                <a:ea typeface="Cambria Math" panose="02040503050406030204" pitchFamily="18" charset="0"/>
+              </a:rPr>
+              <a:t>V</a:t>
+            </a:r>
+            <a:endParaRPr lang="en-US" sz="800" i="1" dirty="0"/>
+          </a:p>
+        </p:txBody>
+      </p:sp>
     </p:spTree>
     <p:extLst>
       <p:ext uri="{BB962C8B-B14F-4D97-AF65-F5344CB8AC3E}">
